--- a/materials/ch07/ch07-编写小程序后台API.pptx
+++ b/materials/ch07/ch07-编写小程序后台API.pptx
@@ -8,6 +8,7 @@
     <p:sldId id="256" r:id="rId2"/>
     <p:sldId id="273" r:id="rId3"/>
     <p:sldId id="274" r:id="rId4"/>
+    <p:sldId id="275" r:id="rId5"/>
   </p:sldIdLst>
   <p:sldSz cx="12192000" cy="6858000"/>
   <p:notesSz cx="6858000" cy="9144000"/>
@@ -114,6 +115,7 @@
             <p14:sldId id="256"/>
             <p14:sldId id="273"/>
             <p14:sldId id="274"/>
+            <p14:sldId id="275"/>
           </p14:sldIdLst>
         </p14:section>
         <p14:section name="无标题节" id="{70FD2762-EEE5-4F2A-ADA9-74F2D228DBDA}">
@@ -3407,16 +3409,13 @@
           <a:p>
             <a:r>
               <a:rPr lang="zh-CN" altLang="en-US" sz="4000" dirty="0"/>
-              <a:t>完善</a:t>
+              <a:t>给小程序提供</a:t>
             </a:r>
             <a:r>
               <a:rPr lang="en-US" altLang="zh-CN" sz="4000" dirty="0"/>
               <a:t>API</a:t>
             </a:r>
-            <a:r>
-              <a:rPr lang="zh-CN" altLang="en-US" sz="4000" dirty="0"/>
-              <a:t>通信</a:t>
-            </a:r>
+            <a:endParaRPr lang="zh-CN" altLang="en-US" sz="4000" dirty="0"/>
           </a:p>
         </p:txBody>
       </p:sp>
@@ -3508,6 +3507,87 @@
           <a:bodyPr/>
           <a:lstStyle/>
           <a:p>
+            <a:pPr>
+              <a:lnSpc>
+                <a:spcPts val="3800"/>
+              </a:lnSpc>
+            </a:pPr>
+            <a:r>
+              <a:rPr lang="en-US" altLang="zh-CN" dirty="0"/>
+              <a:t>HTTP/HTTPS</a:t>
+            </a:r>
+            <a:r>
+              <a:rPr lang="zh-CN" altLang="en-US" dirty="0"/>
+              <a:t>的</a:t>
+            </a:r>
+            <a:r>
+              <a:rPr lang="en-US" altLang="zh-CN" dirty="0"/>
+              <a:t>API</a:t>
+            </a:r>
+            <a:r>
+              <a:rPr lang="zh-CN" altLang="en-US" dirty="0"/>
+              <a:t>多数都使用</a:t>
+            </a:r>
+            <a:r>
+              <a:rPr lang="en-US" altLang="zh-CN" dirty="0"/>
+              <a:t>JSON</a:t>
+            </a:r>
+            <a:r>
+              <a:rPr lang="zh-CN" altLang="en-US" dirty="0"/>
+              <a:t>格式传输数据。</a:t>
+            </a:r>
+            <a:endParaRPr lang="en-US" altLang="zh-CN" dirty="0"/>
+          </a:p>
+          <a:p>
+            <a:pPr>
+              <a:lnSpc>
+                <a:spcPts val="3800"/>
+              </a:lnSpc>
+            </a:pPr>
+            <a:r>
+              <a:rPr lang="zh-CN" altLang="en-US" dirty="0"/>
+              <a:t>基于</a:t>
+            </a:r>
+            <a:r>
+              <a:rPr lang="en-US" altLang="zh-CN" dirty="0"/>
+              <a:t>JSON</a:t>
+            </a:r>
+            <a:r>
+              <a:rPr lang="zh-CN" altLang="en-US" dirty="0"/>
+              <a:t>格式定义一套通信规范，可以方便前后端的对接。</a:t>
+            </a:r>
+            <a:endParaRPr lang="en-US" altLang="zh-CN" dirty="0"/>
+          </a:p>
+          <a:p>
+            <a:pPr>
+              <a:lnSpc>
+                <a:spcPts val="3800"/>
+              </a:lnSpc>
+            </a:pPr>
+            <a:r>
+              <a:rPr lang="zh-CN" altLang="en-US" dirty="0"/>
+              <a:t>并且有利于前后端分离。</a:t>
+            </a:r>
+            <a:endParaRPr lang="en-US" altLang="zh-CN" dirty="0"/>
+          </a:p>
+          <a:p>
+            <a:pPr>
+              <a:lnSpc>
+                <a:spcPts val="3800"/>
+              </a:lnSpc>
+            </a:pPr>
+            <a:r>
+              <a:rPr lang="zh-CN" altLang="en-US" dirty="0"/>
+              <a:t>小程序的模式就已经强制必须要进行前后端分离，小程序作为前端，需要服务端提供</a:t>
+            </a:r>
+            <a:r>
+              <a:rPr lang="en-US" altLang="zh-CN" dirty="0"/>
+              <a:t>API</a:t>
+            </a:r>
+            <a:r>
+              <a:rPr lang="zh-CN" altLang="en-US" dirty="0"/>
+              <a:t>。</a:t>
+            </a:r>
             <a:endParaRPr lang="en-US" altLang="zh-CN" dirty="0"/>
           </a:p>
         </p:txBody>
@@ -3599,7 +3679,51 @@
           <a:bodyPr/>
           <a:lstStyle/>
           <a:p>
-            <a:endParaRPr lang="zh-CN" altLang="en-US"/>
+            <a:pPr>
+              <a:lnSpc>
+                <a:spcPts val="3800"/>
+              </a:lnSpc>
+            </a:pPr>
+            <a:r>
+              <a:rPr lang="zh-CN" altLang="en-US" dirty="0"/>
+              <a:t>本章节的目的仅仅在于提供设计</a:t>
+            </a:r>
+            <a:r>
+              <a:rPr lang="en-US" altLang="zh-CN" dirty="0"/>
+              <a:t>API</a:t>
+            </a:r>
+            <a:r>
+              <a:rPr lang="zh-CN" altLang="en-US" dirty="0"/>
+              <a:t>规范并进行通信的示例。</a:t>
+            </a:r>
+            <a:endParaRPr lang="en-US" altLang="zh-CN" dirty="0"/>
+          </a:p>
+          <a:p>
+            <a:pPr>
+              <a:lnSpc>
+                <a:spcPts val="3800"/>
+              </a:lnSpc>
+            </a:pPr>
+            <a:r>
+              <a:rPr lang="zh-CN" altLang="en-US" dirty="0"/>
+              <a:t>基于此，每个人或组设计自己的</a:t>
+            </a:r>
+            <a:r>
+              <a:rPr lang="en-US" altLang="zh-CN" dirty="0"/>
+              <a:t>API</a:t>
+            </a:r>
+            <a:r>
+              <a:rPr lang="zh-CN" altLang="en-US" dirty="0"/>
+              <a:t>规范，并编写针对自己小程序的后台</a:t>
+            </a:r>
+            <a:r>
+              <a:rPr lang="en-US" altLang="zh-CN" dirty="0"/>
+              <a:t>API</a:t>
+            </a:r>
+            <a:r>
+              <a:rPr lang="zh-CN" altLang="en-US" dirty="0"/>
+              <a:t>。</a:t>
+            </a:r>
           </a:p>
         </p:txBody>
       </p:sp>
@@ -3607,6 +3731,102 @@
     <p:extLst>
       <p:ext uri="{BB962C8B-B14F-4D97-AF65-F5344CB8AC3E}">
         <p14:creationId xmlns:p14="http://schemas.microsoft.com/office/powerpoint/2010/main" val="2815627543"/>
+      </p:ext>
+    </p:extLst>
+  </p:cSld>
+  <p:clrMapOvr>
+    <a:masterClrMapping/>
+  </p:clrMapOvr>
+</p:sld>
+</file>
+
+<file path=ppt/slides/slide4.xml><?xml version="1.0" encoding="utf-8"?>
+<p:sld xmlns:a="http://schemas.openxmlformats.org/drawingml/2006/main" xmlns:r="http://schemas.openxmlformats.org/officeDocument/2006/relationships" xmlns:p="http://schemas.openxmlformats.org/presentationml/2006/main">
+  <p:cSld>
+    <p:spTree>
+      <p:nvGrpSpPr>
+        <p:cNvPr id="1" name=""/>
+        <p:cNvGrpSpPr/>
+        <p:nvPr/>
+      </p:nvGrpSpPr>
+      <p:grpSpPr>
+        <a:xfrm>
+          <a:off x="0" y="0"/>
+          <a:ext cx="0" cy="0"/>
+          <a:chOff x="0" y="0"/>
+          <a:chExt cx="0" cy="0"/>
+        </a:xfrm>
+      </p:grpSpPr>
+      <p:sp>
+        <p:nvSpPr>
+          <p:cNvPr id="2" name="标题 1">
+            <a:extLst>
+              <a:ext uri="{FF2B5EF4-FFF2-40B4-BE49-F238E27FC236}">
+                <a16:creationId xmlns:a16="http://schemas.microsoft.com/office/drawing/2014/main" id="{E91AB9B5-E4BF-438B-883B-B19B1273703E}"/>
+              </a:ext>
+            </a:extLst>
+          </p:cNvPr>
+          <p:cNvSpPr>
+            <a:spLocks noGrp="1"/>
+          </p:cNvSpPr>
+          <p:nvPr>
+            <p:ph type="title"/>
+          </p:nvPr>
+        </p:nvSpPr>
+        <p:spPr/>
+        <p:txBody>
+          <a:bodyPr/>
+          <a:lstStyle/>
+          <a:p>
+            <a:r>
+              <a:rPr lang="zh-CN" altLang="en-US" dirty="0"/>
+              <a:t>设计</a:t>
+            </a:r>
+            <a:r>
+              <a:rPr lang="en-US" altLang="zh-CN" dirty="0"/>
+              <a:t>API</a:t>
+            </a:r>
+            <a:r>
+              <a:rPr lang="zh-CN" altLang="en-US" dirty="0"/>
+              <a:t>通信规范</a:t>
+            </a:r>
+          </a:p>
+        </p:txBody>
+      </p:sp>
+      <p:sp>
+        <p:nvSpPr>
+          <p:cNvPr id="7" name="内容占位符 6">
+            <a:extLst>
+              <a:ext uri="{FF2B5EF4-FFF2-40B4-BE49-F238E27FC236}">
+                <a16:creationId xmlns:a16="http://schemas.microsoft.com/office/drawing/2014/main" id="{1B6F3A20-69E7-4770-961C-3B92F2E666F6}"/>
+              </a:ext>
+            </a:extLst>
+          </p:cNvPr>
+          <p:cNvSpPr>
+            <a:spLocks noGrp="1"/>
+          </p:cNvSpPr>
+          <p:nvPr>
+            <p:ph idx="1"/>
+          </p:nvPr>
+        </p:nvSpPr>
+        <p:spPr/>
+        <p:txBody>
+          <a:bodyPr/>
+          <a:lstStyle/>
+          <a:p>
+            <a:pPr>
+              <a:lnSpc>
+                <a:spcPts val="3800"/>
+              </a:lnSpc>
+            </a:pPr>
+            <a:endParaRPr lang="en-US" altLang="zh-CN" dirty="0"/>
+          </a:p>
+        </p:txBody>
+      </p:sp>
+    </p:spTree>
+    <p:extLst>
+      <p:ext uri="{BB962C8B-B14F-4D97-AF65-F5344CB8AC3E}">
+        <p14:creationId xmlns:p14="http://schemas.microsoft.com/office/powerpoint/2010/main" val="197877264"/>
       </p:ext>
     </p:extLst>
   </p:cSld>
